--- a/Eindpresentatie/Planning.pptx
+++ b/Eindpresentatie/Planning.pptx
@@ -104,6 +104,11 @@
       </a:defRPr>
     </a:lvl9pPr>
   </p:defaultTextStyle>
+  <p:extLst>
+    <p:ext uri="{EFAFB233-063F-42B5-8137-9DF3F51BA10A}">
+      <p15:sldGuideLst xmlns:p15="http://schemas.microsoft.com/office/powerpoint/2012/main"/>
+    </p:ext>
+  </p:extLst>
 </p:presentation>
 </file>
 
@@ -256,7 +261,7 @@
           <a:p>
             <a:fld id="{07D36EE3-02AF-4950-851A-8AA7774D1F23}" type="datetimeFigureOut">
               <a:rPr lang="en-BE" smtClean="0"/>
-              <a:t>07/05/2023</a:t>
+              <a:t>10/05/2023</a:t>
             </a:fld>
             <a:endParaRPr lang="en-BE"/>
           </a:p>
@@ -456,7 +461,7 @@
           <a:p>
             <a:fld id="{07D36EE3-02AF-4950-851A-8AA7774D1F23}" type="datetimeFigureOut">
               <a:rPr lang="en-BE" smtClean="0"/>
-              <a:t>07/05/2023</a:t>
+              <a:t>10/05/2023</a:t>
             </a:fld>
             <a:endParaRPr lang="en-BE"/>
           </a:p>
@@ -666,7 +671,7 @@
           <a:p>
             <a:fld id="{07D36EE3-02AF-4950-851A-8AA7774D1F23}" type="datetimeFigureOut">
               <a:rPr lang="en-BE" smtClean="0"/>
-              <a:t>07/05/2023</a:t>
+              <a:t>10/05/2023</a:t>
             </a:fld>
             <a:endParaRPr lang="en-BE"/>
           </a:p>
@@ -866,7 +871,7 @@
           <a:p>
             <a:fld id="{07D36EE3-02AF-4950-851A-8AA7774D1F23}" type="datetimeFigureOut">
               <a:rPr lang="en-BE" smtClean="0"/>
-              <a:t>07/05/2023</a:t>
+              <a:t>10/05/2023</a:t>
             </a:fld>
             <a:endParaRPr lang="en-BE"/>
           </a:p>
@@ -1142,7 +1147,7 @@
           <a:p>
             <a:fld id="{07D36EE3-02AF-4950-851A-8AA7774D1F23}" type="datetimeFigureOut">
               <a:rPr lang="en-BE" smtClean="0"/>
-              <a:t>07/05/2023</a:t>
+              <a:t>10/05/2023</a:t>
             </a:fld>
             <a:endParaRPr lang="en-BE"/>
           </a:p>
@@ -1410,7 +1415,7 @@
           <a:p>
             <a:fld id="{07D36EE3-02AF-4950-851A-8AA7774D1F23}" type="datetimeFigureOut">
               <a:rPr lang="en-BE" smtClean="0"/>
-              <a:t>07/05/2023</a:t>
+              <a:t>10/05/2023</a:t>
             </a:fld>
             <a:endParaRPr lang="en-BE"/>
           </a:p>
@@ -1825,7 +1830,7 @@
           <a:p>
             <a:fld id="{07D36EE3-02AF-4950-851A-8AA7774D1F23}" type="datetimeFigureOut">
               <a:rPr lang="en-BE" smtClean="0"/>
-              <a:t>07/05/2023</a:t>
+              <a:t>10/05/2023</a:t>
             </a:fld>
             <a:endParaRPr lang="en-BE"/>
           </a:p>
@@ -1967,7 +1972,7 @@
           <a:p>
             <a:fld id="{07D36EE3-02AF-4950-851A-8AA7774D1F23}" type="datetimeFigureOut">
               <a:rPr lang="en-BE" smtClean="0"/>
-              <a:t>07/05/2023</a:t>
+              <a:t>10/05/2023</a:t>
             </a:fld>
             <a:endParaRPr lang="en-BE"/>
           </a:p>
@@ -2080,7 +2085,7 @@
           <a:p>
             <a:fld id="{07D36EE3-02AF-4950-851A-8AA7774D1F23}" type="datetimeFigureOut">
               <a:rPr lang="en-BE" smtClean="0"/>
-              <a:t>07/05/2023</a:t>
+              <a:t>10/05/2023</a:t>
             </a:fld>
             <a:endParaRPr lang="en-BE"/>
           </a:p>
@@ -2393,7 +2398,7 @@
           <a:p>
             <a:fld id="{07D36EE3-02AF-4950-851A-8AA7774D1F23}" type="datetimeFigureOut">
               <a:rPr lang="en-BE" smtClean="0"/>
-              <a:t>07/05/2023</a:t>
+              <a:t>10/05/2023</a:t>
             </a:fld>
             <a:endParaRPr lang="en-BE"/>
           </a:p>
@@ -2682,7 +2687,7 @@
           <a:p>
             <a:fld id="{07D36EE3-02AF-4950-851A-8AA7774D1F23}" type="datetimeFigureOut">
               <a:rPr lang="en-BE" smtClean="0"/>
-              <a:t>07/05/2023</a:t>
+              <a:t>10/05/2023</a:t>
             </a:fld>
             <a:endParaRPr lang="en-BE"/>
           </a:p>
@@ -2925,7 +2930,7 @@
           <a:p>
             <a:fld id="{07D36EE3-02AF-4950-851A-8AA7774D1F23}" type="datetimeFigureOut">
               <a:rPr lang="en-BE" smtClean="0"/>
-              <a:t>07/05/2023</a:t>
+              <a:t>10/05/2023</a:t>
             </a:fld>
             <a:endParaRPr lang="en-BE"/>
           </a:p>
@@ -4581,7 +4586,7 @@
         <p:spPr>
           <a:xfrm>
             <a:off x="835454" y="715991"/>
-            <a:ext cx="1713779" cy="2585323"/>
+            <a:ext cx="1713779" cy="1600438"/>
           </a:xfrm>
           <a:prstGeom prst="rect">
             <a:avLst/>
@@ -4638,58 +4643,31 @@
               <a:buChar char="•"/>
             </a:pPr>
             <a:r>
+              <a:rPr lang="nl-BE" sz="1600" dirty="0" err="1"/>
+              <a:t>Material</a:t>
+            </a:r>
+            <a:r>
               <a:rPr lang="nl-BE" sz="1600" dirty="0"/>
-              <a:t>D</a:t>
-            </a:r>
-          </a:p>
-          <a:p>
-            <a:pPr marL="285750" indent="-285750">
-              <a:buFont typeface="Arial" panose="020B0604020202020204" pitchFamily="34" charset="0"/>
-              <a:buChar char="•"/>
-            </a:pPr>
+              <a:t> </a:t>
+            </a:r>
+            <a:r>
+              <a:rPr lang="nl-BE" sz="1600" dirty="0" err="1"/>
+              <a:t>listing</a:t>
+            </a:r>
+            <a:endParaRPr lang="nl-BE" sz="1600" dirty="0"/>
+          </a:p>
+          <a:p>
+            <a:pPr marL="285750" indent="-285750">
+              <a:buFont typeface="Arial" panose="020B0604020202020204" pitchFamily="34" charset="0"/>
+              <a:buChar char="•"/>
+            </a:pPr>
+            <a:r>
+              <a:rPr lang="nl-BE" sz="1600" dirty="0" err="1"/>
+              <a:t>Searching</a:t>
+            </a:r>
             <a:r>
               <a:rPr lang="nl-BE" sz="1600" dirty="0"/>
-              <a:t>E</a:t>
-            </a:r>
-          </a:p>
-          <a:p>
-            <a:pPr marL="285750" indent="-285750">
-              <a:buFont typeface="Arial" panose="020B0604020202020204" pitchFamily="34" charset="0"/>
-              <a:buChar char="•"/>
-            </a:pPr>
-            <a:r>
-              <a:rPr lang="nl-BE" sz="1600" dirty="0"/>
-              <a:t>F</a:t>
-            </a:r>
-          </a:p>
-          <a:p>
-            <a:pPr marL="285750" indent="-285750">
-              <a:buFont typeface="Arial" panose="020B0604020202020204" pitchFamily="34" charset="0"/>
-              <a:buChar char="•"/>
-            </a:pPr>
-            <a:r>
-              <a:rPr lang="nl-BE" sz="1600" dirty="0"/>
-              <a:t>G</a:t>
-            </a:r>
-          </a:p>
-          <a:p>
-            <a:pPr marL="285750" indent="-285750">
-              <a:buFont typeface="Arial" panose="020B0604020202020204" pitchFamily="34" charset="0"/>
-              <a:buChar char="•"/>
-            </a:pPr>
-            <a:r>
-              <a:rPr lang="nl-BE" sz="1600" dirty="0"/>
-              <a:t>H</a:t>
-            </a:r>
-          </a:p>
-          <a:p>
-            <a:pPr marL="285750" indent="-285750">
-              <a:buFont typeface="Arial" panose="020B0604020202020204" pitchFamily="34" charset="0"/>
-              <a:buChar char="•"/>
-            </a:pPr>
-            <a:r>
-              <a:rPr lang="nl-BE" sz="1600" dirty="0"/>
-              <a:t>I</a:t>
+              <a:t> info</a:t>
             </a:r>
           </a:p>
           <a:p>
@@ -4712,7 +4690,7 @@
         <p:spPr>
           <a:xfrm>
             <a:off x="2549237" y="727724"/>
-            <a:ext cx="1713779" cy="2616101"/>
+            <a:ext cx="1713779" cy="1323439"/>
           </a:xfrm>
           <a:prstGeom prst="rect">
             <a:avLst/>
@@ -4730,8 +4708,12 @@
               <a:buChar char="•"/>
             </a:pPr>
             <a:r>
+              <a:rPr lang="nl-BE" sz="1600" dirty="0" err="1"/>
+              <a:t>Mechanical</a:t>
+            </a:r>
+            <a:r>
               <a:rPr lang="nl-BE" sz="1600" dirty="0"/>
-              <a:t>A</a:t>
+              <a:t> system design</a:t>
             </a:r>
           </a:p>
           <a:p>
@@ -4741,7 +4723,7 @@
             </a:pPr>
             <a:r>
               <a:rPr lang="nl-BE" sz="1600" dirty="0"/>
-              <a:t>B</a:t>
+              <a:t>Info motor</a:t>
             </a:r>
           </a:p>
           <a:p>
@@ -4751,69 +4733,8 @@
             </a:pPr>
             <a:r>
               <a:rPr lang="nl-BE" sz="1600" dirty="0"/>
-              <a:t>C</a:t>
-            </a:r>
-          </a:p>
-          <a:p>
-            <a:pPr marL="285750" indent="-285750">
-              <a:buFont typeface="Arial" panose="020B0604020202020204" pitchFamily="34" charset="0"/>
-              <a:buChar char="•"/>
-            </a:pPr>
-            <a:r>
-              <a:rPr lang="nl-BE" sz="1600" dirty="0"/>
-              <a:t>D</a:t>
-            </a:r>
-          </a:p>
-          <a:p>
-            <a:pPr marL="285750" indent="-285750">
-              <a:buFont typeface="Arial" panose="020B0604020202020204" pitchFamily="34" charset="0"/>
-              <a:buChar char="•"/>
-            </a:pPr>
-            <a:r>
-              <a:rPr lang="nl-BE" sz="1600" dirty="0"/>
-              <a:t>E</a:t>
-            </a:r>
-          </a:p>
-          <a:p>
-            <a:pPr marL="285750" indent="-285750">
-              <a:buFont typeface="Arial" panose="020B0604020202020204" pitchFamily="34" charset="0"/>
-              <a:buChar char="•"/>
-            </a:pPr>
-            <a:r>
-              <a:rPr lang="nl-BE" sz="1600" dirty="0"/>
-              <a:t>F</a:t>
-            </a:r>
-          </a:p>
-          <a:p>
-            <a:pPr marL="285750" indent="-285750">
-              <a:buFont typeface="Arial" panose="020B0604020202020204" pitchFamily="34" charset="0"/>
-              <a:buChar char="•"/>
-            </a:pPr>
-            <a:r>
-              <a:rPr lang="nl-BE" sz="1600" dirty="0"/>
-              <a:t>G</a:t>
-            </a:r>
-          </a:p>
-          <a:p>
-            <a:pPr marL="285750" indent="-285750">
-              <a:buFont typeface="Arial" panose="020B0604020202020204" pitchFamily="34" charset="0"/>
-              <a:buChar char="•"/>
-            </a:pPr>
-            <a:r>
-              <a:rPr lang="nl-BE" sz="1600" dirty="0"/>
-              <a:t>H</a:t>
-            </a:r>
-          </a:p>
-          <a:p>
-            <a:pPr marL="285750" indent="-285750">
-              <a:buFont typeface="Arial" panose="020B0604020202020204" pitchFamily="34" charset="0"/>
-              <a:buChar char="•"/>
-            </a:pPr>
-            <a:r>
-              <a:rPr lang="nl-BE" sz="1600" dirty="0"/>
-              <a:t>I</a:t>
-            </a:r>
-            <a:endParaRPr lang="en-BE" sz="1600" dirty="0"/>
+              <a:t>Python course</a:t>
+            </a:r>
           </a:p>
           <a:p>
             <a:endParaRPr lang="en-BE" sz="1600" dirty="0"/>
@@ -4835,7 +4756,7 @@
         <p:spPr>
           <a:xfrm>
             <a:off x="4263016" y="727724"/>
-            <a:ext cx="1713779" cy="2616101"/>
+            <a:ext cx="1713779" cy="2062103"/>
           </a:xfrm>
           <a:prstGeom prst="rect">
             <a:avLst/>
@@ -4854,89 +4775,67 @@
             </a:pPr>
             <a:r>
               <a:rPr lang="nl-BE" sz="1600" dirty="0"/>
-              <a:t>A</a:t>
-            </a:r>
-          </a:p>
-          <a:p>
-            <a:pPr marL="285750" indent="-285750">
-              <a:buFont typeface="Arial" panose="020B0604020202020204" pitchFamily="34" charset="0"/>
-              <a:buChar char="•"/>
-            </a:pPr>
+              <a:t>Concept uitwerken</a:t>
+            </a:r>
+          </a:p>
+          <a:p>
+            <a:pPr marL="285750" indent="-285750">
+              <a:buFont typeface="Arial" panose="020B0604020202020204" pitchFamily="34" charset="0"/>
+              <a:buChar char="•"/>
+            </a:pPr>
+            <a:r>
+              <a:rPr lang="nl-BE" sz="1600" dirty="0" err="1"/>
+              <a:t>Arduino</a:t>
+            </a:r>
             <a:r>
               <a:rPr lang="nl-BE" sz="1600" dirty="0"/>
-              <a:t>B</a:t>
-            </a:r>
-          </a:p>
-          <a:p>
-            <a:pPr marL="285750" indent="-285750">
-              <a:buFont typeface="Arial" panose="020B0604020202020204" pitchFamily="34" charset="0"/>
-              <a:buChar char="•"/>
-            </a:pPr>
+              <a:t> </a:t>
+            </a:r>
+            <a:r>
+              <a:rPr lang="nl-BE" sz="1600" dirty="0" err="1"/>
+              <a:t>uno</a:t>
+            </a:r>
+            <a:endParaRPr lang="nl-BE" sz="1600" dirty="0"/>
+          </a:p>
+          <a:p>
+            <a:pPr marL="285750" indent="-285750">
+              <a:buFont typeface="Arial" panose="020B0604020202020204" pitchFamily="34" charset="0"/>
+              <a:buChar char="•"/>
+            </a:pPr>
+            <a:r>
+              <a:rPr lang="nl-BE" sz="1600" dirty="0" err="1"/>
+              <a:t>Gshield</a:t>
+            </a:r>
             <a:r>
               <a:rPr lang="nl-BE" sz="1600" dirty="0"/>
-              <a:t>C</a:t>
-            </a:r>
-          </a:p>
-          <a:p>
-            <a:pPr marL="285750" indent="-285750">
-              <a:buFont typeface="Arial" panose="020B0604020202020204" pitchFamily="34" charset="0"/>
-              <a:buChar char="•"/>
-            </a:pPr>
+              <a:t> v5B</a:t>
+            </a:r>
+          </a:p>
+          <a:p>
+            <a:pPr marL="285750" indent="-285750">
+              <a:buFont typeface="Arial" panose="020B0604020202020204" pitchFamily="34" charset="0"/>
+              <a:buChar char="•"/>
+            </a:pPr>
+            <a:r>
+              <a:rPr lang="nl-BE" sz="1600" dirty="0" err="1"/>
+              <a:t>Mechanical</a:t>
+            </a:r>
             <a:r>
               <a:rPr lang="nl-BE" sz="1600" dirty="0"/>
-              <a:t>D</a:t>
-            </a:r>
-          </a:p>
-          <a:p>
-            <a:pPr marL="285750" indent="-285750">
-              <a:buFont typeface="Arial" panose="020B0604020202020204" pitchFamily="34" charset="0"/>
-              <a:buChar char="•"/>
-            </a:pPr>
-            <a:r>
-              <a:rPr lang="nl-BE" sz="1600" dirty="0"/>
-              <a:t>E</a:t>
-            </a:r>
-          </a:p>
-          <a:p>
-            <a:pPr marL="285750" indent="-285750">
-              <a:buFont typeface="Arial" panose="020B0604020202020204" pitchFamily="34" charset="0"/>
-              <a:buChar char="•"/>
-            </a:pPr>
-            <a:r>
-              <a:rPr lang="nl-BE" sz="1600" dirty="0"/>
-              <a:t>F</a:t>
-            </a:r>
-          </a:p>
-          <a:p>
-            <a:pPr marL="285750" indent="-285750">
-              <a:buFont typeface="Arial" panose="020B0604020202020204" pitchFamily="34" charset="0"/>
-              <a:buChar char="•"/>
-            </a:pPr>
-            <a:r>
-              <a:rPr lang="nl-BE" sz="1600" dirty="0"/>
-              <a:t>G</a:t>
-            </a:r>
-          </a:p>
-          <a:p>
-            <a:pPr marL="285750" indent="-285750">
-              <a:buFont typeface="Arial" panose="020B0604020202020204" pitchFamily="34" charset="0"/>
-              <a:buChar char="•"/>
-            </a:pPr>
-            <a:r>
-              <a:rPr lang="nl-BE" sz="1600" dirty="0"/>
-              <a:t>H</a:t>
-            </a:r>
-          </a:p>
-          <a:p>
-            <a:pPr marL="285750" indent="-285750">
-              <a:buFont typeface="Arial" panose="020B0604020202020204" pitchFamily="34" charset="0"/>
-              <a:buChar char="•"/>
-            </a:pPr>
-            <a:r>
-              <a:rPr lang="nl-BE" sz="1600" dirty="0"/>
-              <a:t>I</a:t>
-            </a:r>
-            <a:endParaRPr lang="en-BE" sz="1600" dirty="0"/>
+              <a:t> system </a:t>
+            </a:r>
+            <a:r>
+              <a:rPr lang="nl-BE" sz="1600" dirty="0" err="1"/>
+              <a:t>build</a:t>
+            </a:r>
+            <a:endParaRPr lang="nl-BE" sz="1600" dirty="0"/>
+          </a:p>
+          <a:p>
+            <a:pPr marL="285750" indent="-285750">
+              <a:buFont typeface="Arial" panose="020B0604020202020204" pitchFamily="34" charset="0"/>
+              <a:buChar char="•"/>
+            </a:pPr>
+            <a:endParaRPr lang="nl-BE" sz="1600" dirty="0"/>
           </a:p>
           <a:p>
             <a:endParaRPr lang="en-BE" sz="1600" dirty="0"/>
@@ -4958,7 +4857,7 @@
         <p:spPr>
           <a:xfrm>
             <a:off x="5994774" y="715991"/>
-            <a:ext cx="1713779" cy="2616101"/>
+            <a:ext cx="1713779" cy="2062103"/>
           </a:xfrm>
           <a:prstGeom prst="rect">
             <a:avLst/>
@@ -4976,8 +4875,12 @@
               <a:buChar char="•"/>
             </a:pPr>
             <a:r>
+              <a:rPr lang="nl-BE" sz="1600" dirty="0" err="1"/>
+              <a:t>Visit</a:t>
+            </a:r>
+            <a:r>
               <a:rPr lang="nl-BE" sz="1600" dirty="0"/>
-              <a:t>A</a:t>
+              <a:t> escape room (2/03)</a:t>
             </a:r>
           </a:p>
           <a:p>
@@ -4987,7 +4890,7 @@
             </a:pPr>
             <a:r>
               <a:rPr lang="nl-BE" sz="1600" dirty="0"/>
-              <a:t>B</a:t>
+              <a:t>Prototype bouwen</a:t>
             </a:r>
           </a:p>
           <a:p>
@@ -4997,68 +4900,10 @@
             </a:pPr>
             <a:r>
               <a:rPr lang="nl-BE" sz="1600" dirty="0"/>
-              <a:t>C</a:t>
-            </a:r>
-          </a:p>
-          <a:p>
-            <a:pPr marL="285750" indent="-285750">
-              <a:buFont typeface="Arial" panose="020B0604020202020204" pitchFamily="34" charset="0"/>
-              <a:buChar char="•"/>
-            </a:pPr>
-            <a:r>
-              <a:rPr lang="nl-BE" sz="1600" dirty="0"/>
-              <a:t>D</a:t>
-            </a:r>
-          </a:p>
-          <a:p>
-            <a:pPr marL="285750" indent="-285750">
-              <a:buFont typeface="Arial" panose="020B0604020202020204" pitchFamily="34" charset="0"/>
-              <a:buChar char="•"/>
-            </a:pPr>
-            <a:r>
-              <a:rPr lang="nl-BE" sz="1600" dirty="0"/>
-              <a:t>E</a:t>
-            </a:r>
-          </a:p>
-          <a:p>
-            <a:pPr marL="285750" indent="-285750">
-              <a:buFont typeface="Arial" panose="020B0604020202020204" pitchFamily="34" charset="0"/>
-              <a:buChar char="•"/>
-            </a:pPr>
-            <a:r>
-              <a:rPr lang="nl-BE" sz="1600" dirty="0"/>
-              <a:t>F</a:t>
-            </a:r>
-          </a:p>
-          <a:p>
-            <a:pPr marL="285750" indent="-285750">
-              <a:buFont typeface="Arial" panose="020B0604020202020204" pitchFamily="34" charset="0"/>
-              <a:buChar char="•"/>
-            </a:pPr>
-            <a:r>
-              <a:rPr lang="nl-BE" sz="1600" dirty="0"/>
-              <a:t>G</a:t>
-            </a:r>
-          </a:p>
-          <a:p>
-            <a:pPr marL="285750" indent="-285750">
-              <a:buFont typeface="Arial" panose="020B0604020202020204" pitchFamily="34" charset="0"/>
-              <a:buChar char="•"/>
-            </a:pPr>
-            <a:r>
-              <a:rPr lang="nl-BE" sz="1600" dirty="0"/>
-              <a:t>H</a:t>
-            </a:r>
-          </a:p>
-          <a:p>
-            <a:pPr marL="285750" indent="-285750">
-              <a:buFont typeface="Arial" panose="020B0604020202020204" pitchFamily="34" charset="0"/>
-              <a:buChar char="•"/>
-            </a:pPr>
-            <a:r>
-              <a:rPr lang="nl-BE" sz="1600" dirty="0"/>
-              <a:t>I</a:t>
-            </a:r>
+              <a:t>Concept bijwerken</a:t>
+            </a:r>
+          </a:p>
+          <a:p>
             <a:endParaRPr lang="en-BE" sz="1600" dirty="0"/>
           </a:p>
           <a:p>
@@ -5081,744 +4926,6 @@
         <p:spPr>
           <a:xfrm>
             <a:off x="7775794" y="727724"/>
-            <a:ext cx="1713779" cy="2616101"/>
-          </a:xfrm>
-          <a:prstGeom prst="rect">
-            <a:avLst/>
-          </a:prstGeom>
-          <a:noFill/>
-        </p:spPr>
-        <p:txBody>
-          <a:bodyPr wrap="square" rtlCol="0">
-            <a:spAutoFit/>
-          </a:bodyPr>
-          <a:lstStyle/>
-          <a:p>
-            <a:pPr marL="285750" indent="-285750">
-              <a:buFont typeface="Arial" panose="020B0604020202020204" pitchFamily="34" charset="0"/>
-              <a:buChar char="•"/>
-            </a:pPr>
-            <a:r>
-              <a:rPr lang="nl-BE" sz="1600" dirty="0"/>
-              <a:t>A</a:t>
-            </a:r>
-          </a:p>
-          <a:p>
-            <a:pPr marL="285750" indent="-285750">
-              <a:buFont typeface="Arial" panose="020B0604020202020204" pitchFamily="34" charset="0"/>
-              <a:buChar char="•"/>
-            </a:pPr>
-            <a:r>
-              <a:rPr lang="nl-BE" sz="1600" dirty="0"/>
-              <a:t>B</a:t>
-            </a:r>
-          </a:p>
-          <a:p>
-            <a:pPr marL="285750" indent="-285750">
-              <a:buFont typeface="Arial" panose="020B0604020202020204" pitchFamily="34" charset="0"/>
-              <a:buChar char="•"/>
-            </a:pPr>
-            <a:r>
-              <a:rPr lang="nl-BE" sz="1600" dirty="0"/>
-              <a:t>C</a:t>
-            </a:r>
-          </a:p>
-          <a:p>
-            <a:pPr marL="285750" indent="-285750">
-              <a:buFont typeface="Arial" panose="020B0604020202020204" pitchFamily="34" charset="0"/>
-              <a:buChar char="•"/>
-            </a:pPr>
-            <a:r>
-              <a:rPr lang="nl-BE" sz="1600" dirty="0"/>
-              <a:t>D</a:t>
-            </a:r>
-          </a:p>
-          <a:p>
-            <a:pPr marL="285750" indent="-285750">
-              <a:buFont typeface="Arial" panose="020B0604020202020204" pitchFamily="34" charset="0"/>
-              <a:buChar char="•"/>
-            </a:pPr>
-            <a:r>
-              <a:rPr lang="nl-BE" sz="1600" dirty="0"/>
-              <a:t>E</a:t>
-            </a:r>
-          </a:p>
-          <a:p>
-            <a:pPr marL="285750" indent="-285750">
-              <a:buFont typeface="Arial" panose="020B0604020202020204" pitchFamily="34" charset="0"/>
-              <a:buChar char="•"/>
-            </a:pPr>
-            <a:r>
-              <a:rPr lang="nl-BE" sz="1600" dirty="0"/>
-              <a:t>F</a:t>
-            </a:r>
-          </a:p>
-          <a:p>
-            <a:pPr marL="285750" indent="-285750">
-              <a:buFont typeface="Arial" panose="020B0604020202020204" pitchFamily="34" charset="0"/>
-              <a:buChar char="•"/>
-            </a:pPr>
-            <a:r>
-              <a:rPr lang="nl-BE" sz="1600" dirty="0"/>
-              <a:t>G</a:t>
-            </a:r>
-          </a:p>
-          <a:p>
-            <a:pPr marL="285750" indent="-285750">
-              <a:buFont typeface="Arial" panose="020B0604020202020204" pitchFamily="34" charset="0"/>
-              <a:buChar char="•"/>
-            </a:pPr>
-            <a:r>
-              <a:rPr lang="nl-BE" sz="1600" dirty="0"/>
-              <a:t>H</a:t>
-            </a:r>
-          </a:p>
-          <a:p>
-            <a:pPr marL="285750" indent="-285750">
-              <a:buFont typeface="Arial" panose="020B0604020202020204" pitchFamily="34" charset="0"/>
-              <a:buChar char="•"/>
-            </a:pPr>
-            <a:r>
-              <a:rPr lang="nl-BE" sz="1600" dirty="0"/>
-              <a:t>I</a:t>
-            </a:r>
-            <a:endParaRPr lang="en-BE" sz="1600" dirty="0"/>
-          </a:p>
-          <a:p>
-            <a:endParaRPr lang="en-BE" sz="1600" dirty="0"/>
-          </a:p>
-        </p:txBody>
-      </p:sp>
-      <p:sp>
-        <p:nvSpPr>
-          <p:cNvPr id="45" name="Tekstvak 44">
-            <a:extLst>
-              <a:ext uri="{FF2B5EF4-FFF2-40B4-BE49-F238E27FC236}">
-                <a16:creationId xmlns:a16="http://schemas.microsoft.com/office/drawing/2014/main" id="{76C906B8-C205-4C19-7379-0BA5F411C6CC}"/>
-              </a:ext>
-            </a:extLst>
-          </p:cNvPr>
-          <p:cNvSpPr txBox="1"/>
-          <p:nvPr/>
-        </p:nvSpPr>
-        <p:spPr>
-          <a:xfrm>
-            <a:off x="9440314" y="727723"/>
-            <a:ext cx="1713779" cy="2616101"/>
-          </a:xfrm>
-          <a:prstGeom prst="rect">
-            <a:avLst/>
-          </a:prstGeom>
-          <a:noFill/>
-        </p:spPr>
-        <p:txBody>
-          <a:bodyPr wrap="square" rtlCol="0">
-            <a:spAutoFit/>
-          </a:bodyPr>
-          <a:lstStyle/>
-          <a:p>
-            <a:pPr marL="285750" indent="-285750">
-              <a:buFont typeface="Arial" panose="020B0604020202020204" pitchFamily="34" charset="0"/>
-              <a:buChar char="•"/>
-            </a:pPr>
-            <a:r>
-              <a:rPr lang="nl-BE" sz="1600" dirty="0"/>
-              <a:t>A</a:t>
-            </a:r>
-          </a:p>
-          <a:p>
-            <a:pPr marL="285750" indent="-285750">
-              <a:buFont typeface="Arial" panose="020B0604020202020204" pitchFamily="34" charset="0"/>
-              <a:buChar char="•"/>
-            </a:pPr>
-            <a:r>
-              <a:rPr lang="nl-BE" sz="1600" dirty="0"/>
-              <a:t>B</a:t>
-            </a:r>
-          </a:p>
-          <a:p>
-            <a:pPr marL="285750" indent="-285750">
-              <a:buFont typeface="Arial" panose="020B0604020202020204" pitchFamily="34" charset="0"/>
-              <a:buChar char="•"/>
-            </a:pPr>
-            <a:r>
-              <a:rPr lang="nl-BE" sz="1600" dirty="0"/>
-              <a:t>C</a:t>
-            </a:r>
-          </a:p>
-          <a:p>
-            <a:pPr marL="285750" indent="-285750">
-              <a:buFont typeface="Arial" panose="020B0604020202020204" pitchFamily="34" charset="0"/>
-              <a:buChar char="•"/>
-            </a:pPr>
-            <a:r>
-              <a:rPr lang="nl-BE" sz="1600" dirty="0"/>
-              <a:t>D</a:t>
-            </a:r>
-          </a:p>
-          <a:p>
-            <a:pPr marL="285750" indent="-285750">
-              <a:buFont typeface="Arial" panose="020B0604020202020204" pitchFamily="34" charset="0"/>
-              <a:buChar char="•"/>
-            </a:pPr>
-            <a:r>
-              <a:rPr lang="nl-BE" sz="1600" dirty="0"/>
-              <a:t>E</a:t>
-            </a:r>
-          </a:p>
-          <a:p>
-            <a:pPr marL="285750" indent="-285750">
-              <a:buFont typeface="Arial" panose="020B0604020202020204" pitchFamily="34" charset="0"/>
-              <a:buChar char="•"/>
-            </a:pPr>
-            <a:r>
-              <a:rPr lang="nl-BE" sz="1600" dirty="0"/>
-              <a:t>F</a:t>
-            </a:r>
-          </a:p>
-          <a:p>
-            <a:pPr marL="285750" indent="-285750">
-              <a:buFont typeface="Arial" panose="020B0604020202020204" pitchFamily="34" charset="0"/>
-              <a:buChar char="•"/>
-            </a:pPr>
-            <a:r>
-              <a:rPr lang="nl-BE" sz="1600" dirty="0"/>
-              <a:t>G</a:t>
-            </a:r>
-          </a:p>
-          <a:p>
-            <a:pPr marL="285750" indent="-285750">
-              <a:buFont typeface="Arial" panose="020B0604020202020204" pitchFamily="34" charset="0"/>
-              <a:buChar char="•"/>
-            </a:pPr>
-            <a:r>
-              <a:rPr lang="nl-BE" sz="1600" dirty="0"/>
-              <a:t>H</a:t>
-            </a:r>
-          </a:p>
-          <a:p>
-            <a:pPr marL="285750" indent="-285750">
-              <a:buFont typeface="Arial" panose="020B0604020202020204" pitchFamily="34" charset="0"/>
-              <a:buChar char="•"/>
-            </a:pPr>
-            <a:r>
-              <a:rPr lang="nl-BE" sz="1600" dirty="0"/>
-              <a:t>I</a:t>
-            </a:r>
-            <a:endParaRPr lang="en-BE" sz="1600" dirty="0"/>
-          </a:p>
-          <a:p>
-            <a:endParaRPr lang="en-BE" sz="1600" dirty="0"/>
-          </a:p>
-        </p:txBody>
-      </p:sp>
-      <p:sp>
-        <p:nvSpPr>
-          <p:cNvPr id="46" name="Tekstvak 45">
-            <a:extLst>
-              <a:ext uri="{FF2B5EF4-FFF2-40B4-BE49-F238E27FC236}">
-                <a16:creationId xmlns:a16="http://schemas.microsoft.com/office/drawing/2014/main" id="{49E70D03-4593-9E87-6A56-668509347888}"/>
-              </a:ext>
-            </a:extLst>
-          </p:cNvPr>
-          <p:cNvSpPr txBox="1"/>
-          <p:nvPr/>
-        </p:nvSpPr>
-        <p:spPr>
-          <a:xfrm>
-            <a:off x="835454" y="3963723"/>
-            <a:ext cx="1713779" cy="2616101"/>
-          </a:xfrm>
-          <a:prstGeom prst="rect">
-            <a:avLst/>
-          </a:prstGeom>
-          <a:noFill/>
-        </p:spPr>
-        <p:txBody>
-          <a:bodyPr wrap="square" rtlCol="0">
-            <a:spAutoFit/>
-          </a:bodyPr>
-          <a:lstStyle/>
-          <a:p>
-            <a:pPr marL="285750" indent="-285750">
-              <a:buFont typeface="Arial" panose="020B0604020202020204" pitchFamily="34" charset="0"/>
-              <a:buChar char="•"/>
-            </a:pPr>
-            <a:r>
-              <a:rPr lang="nl-BE" sz="1600" dirty="0"/>
-              <a:t>A</a:t>
-            </a:r>
-          </a:p>
-          <a:p>
-            <a:pPr marL="285750" indent="-285750">
-              <a:buFont typeface="Arial" panose="020B0604020202020204" pitchFamily="34" charset="0"/>
-              <a:buChar char="•"/>
-            </a:pPr>
-            <a:r>
-              <a:rPr lang="nl-BE" sz="1600" dirty="0"/>
-              <a:t>B</a:t>
-            </a:r>
-          </a:p>
-          <a:p>
-            <a:pPr marL="285750" indent="-285750">
-              <a:buFont typeface="Arial" panose="020B0604020202020204" pitchFamily="34" charset="0"/>
-              <a:buChar char="•"/>
-            </a:pPr>
-            <a:r>
-              <a:rPr lang="nl-BE" sz="1600" dirty="0"/>
-              <a:t>C</a:t>
-            </a:r>
-          </a:p>
-          <a:p>
-            <a:pPr marL="285750" indent="-285750">
-              <a:buFont typeface="Arial" panose="020B0604020202020204" pitchFamily="34" charset="0"/>
-              <a:buChar char="•"/>
-            </a:pPr>
-            <a:r>
-              <a:rPr lang="nl-BE" sz="1600" dirty="0"/>
-              <a:t>D</a:t>
-            </a:r>
-          </a:p>
-          <a:p>
-            <a:pPr marL="285750" indent="-285750">
-              <a:buFont typeface="Arial" panose="020B0604020202020204" pitchFamily="34" charset="0"/>
-              <a:buChar char="•"/>
-            </a:pPr>
-            <a:r>
-              <a:rPr lang="nl-BE" sz="1600" dirty="0"/>
-              <a:t>E</a:t>
-            </a:r>
-          </a:p>
-          <a:p>
-            <a:pPr marL="285750" indent="-285750">
-              <a:buFont typeface="Arial" panose="020B0604020202020204" pitchFamily="34" charset="0"/>
-              <a:buChar char="•"/>
-            </a:pPr>
-            <a:r>
-              <a:rPr lang="nl-BE" sz="1600" dirty="0"/>
-              <a:t>F</a:t>
-            </a:r>
-          </a:p>
-          <a:p>
-            <a:pPr marL="285750" indent="-285750">
-              <a:buFont typeface="Arial" panose="020B0604020202020204" pitchFamily="34" charset="0"/>
-              <a:buChar char="•"/>
-            </a:pPr>
-            <a:r>
-              <a:rPr lang="nl-BE" sz="1600" dirty="0"/>
-              <a:t>G</a:t>
-            </a:r>
-          </a:p>
-          <a:p>
-            <a:pPr marL="285750" indent="-285750">
-              <a:buFont typeface="Arial" panose="020B0604020202020204" pitchFamily="34" charset="0"/>
-              <a:buChar char="•"/>
-            </a:pPr>
-            <a:r>
-              <a:rPr lang="nl-BE" sz="1600" dirty="0"/>
-              <a:t>H</a:t>
-            </a:r>
-          </a:p>
-          <a:p>
-            <a:pPr marL="285750" indent="-285750">
-              <a:buFont typeface="Arial" panose="020B0604020202020204" pitchFamily="34" charset="0"/>
-              <a:buChar char="•"/>
-            </a:pPr>
-            <a:r>
-              <a:rPr lang="nl-BE" sz="1600" dirty="0"/>
-              <a:t>I</a:t>
-            </a:r>
-            <a:endParaRPr lang="en-BE" sz="1600" dirty="0"/>
-          </a:p>
-          <a:p>
-            <a:endParaRPr lang="en-BE" sz="1600" dirty="0"/>
-          </a:p>
-        </p:txBody>
-      </p:sp>
-      <p:sp>
-        <p:nvSpPr>
-          <p:cNvPr id="47" name="Tekstvak 46">
-            <a:extLst>
-              <a:ext uri="{FF2B5EF4-FFF2-40B4-BE49-F238E27FC236}">
-                <a16:creationId xmlns:a16="http://schemas.microsoft.com/office/drawing/2014/main" id="{90FBC72B-900D-5AB9-2F3E-1DCB608BFB5F}"/>
-              </a:ext>
-            </a:extLst>
-          </p:cNvPr>
-          <p:cNvSpPr txBox="1"/>
-          <p:nvPr/>
-        </p:nvSpPr>
-        <p:spPr>
-          <a:xfrm>
-            <a:off x="2549237" y="3975456"/>
-            <a:ext cx="1713779" cy="2616101"/>
-          </a:xfrm>
-          <a:prstGeom prst="rect">
-            <a:avLst/>
-          </a:prstGeom>
-          <a:noFill/>
-        </p:spPr>
-        <p:txBody>
-          <a:bodyPr wrap="square" rtlCol="0">
-            <a:spAutoFit/>
-          </a:bodyPr>
-          <a:lstStyle/>
-          <a:p>
-            <a:pPr marL="285750" indent="-285750">
-              <a:buFont typeface="Arial" panose="020B0604020202020204" pitchFamily="34" charset="0"/>
-              <a:buChar char="•"/>
-            </a:pPr>
-            <a:r>
-              <a:rPr lang="nl-BE" sz="1600" dirty="0"/>
-              <a:t>A</a:t>
-            </a:r>
-          </a:p>
-          <a:p>
-            <a:pPr marL="285750" indent="-285750">
-              <a:buFont typeface="Arial" panose="020B0604020202020204" pitchFamily="34" charset="0"/>
-              <a:buChar char="•"/>
-            </a:pPr>
-            <a:r>
-              <a:rPr lang="nl-BE" sz="1600" dirty="0"/>
-              <a:t>B</a:t>
-            </a:r>
-          </a:p>
-          <a:p>
-            <a:pPr marL="285750" indent="-285750">
-              <a:buFont typeface="Arial" panose="020B0604020202020204" pitchFamily="34" charset="0"/>
-              <a:buChar char="•"/>
-            </a:pPr>
-            <a:r>
-              <a:rPr lang="nl-BE" sz="1600" dirty="0"/>
-              <a:t>C</a:t>
-            </a:r>
-          </a:p>
-          <a:p>
-            <a:pPr marL="285750" indent="-285750">
-              <a:buFont typeface="Arial" panose="020B0604020202020204" pitchFamily="34" charset="0"/>
-              <a:buChar char="•"/>
-            </a:pPr>
-            <a:r>
-              <a:rPr lang="nl-BE" sz="1600" dirty="0"/>
-              <a:t>D</a:t>
-            </a:r>
-          </a:p>
-          <a:p>
-            <a:pPr marL="285750" indent="-285750">
-              <a:buFont typeface="Arial" panose="020B0604020202020204" pitchFamily="34" charset="0"/>
-              <a:buChar char="•"/>
-            </a:pPr>
-            <a:r>
-              <a:rPr lang="nl-BE" sz="1600" dirty="0"/>
-              <a:t>E</a:t>
-            </a:r>
-          </a:p>
-          <a:p>
-            <a:pPr marL="285750" indent="-285750">
-              <a:buFont typeface="Arial" panose="020B0604020202020204" pitchFamily="34" charset="0"/>
-              <a:buChar char="•"/>
-            </a:pPr>
-            <a:r>
-              <a:rPr lang="nl-BE" sz="1600" dirty="0"/>
-              <a:t>F</a:t>
-            </a:r>
-          </a:p>
-          <a:p>
-            <a:pPr marL="285750" indent="-285750">
-              <a:buFont typeface="Arial" panose="020B0604020202020204" pitchFamily="34" charset="0"/>
-              <a:buChar char="•"/>
-            </a:pPr>
-            <a:r>
-              <a:rPr lang="nl-BE" sz="1600" dirty="0"/>
-              <a:t>G</a:t>
-            </a:r>
-          </a:p>
-          <a:p>
-            <a:pPr marL="285750" indent="-285750">
-              <a:buFont typeface="Arial" panose="020B0604020202020204" pitchFamily="34" charset="0"/>
-              <a:buChar char="•"/>
-            </a:pPr>
-            <a:r>
-              <a:rPr lang="nl-BE" sz="1600" dirty="0"/>
-              <a:t>H</a:t>
-            </a:r>
-          </a:p>
-          <a:p>
-            <a:pPr marL="285750" indent="-285750">
-              <a:buFont typeface="Arial" panose="020B0604020202020204" pitchFamily="34" charset="0"/>
-              <a:buChar char="•"/>
-            </a:pPr>
-            <a:r>
-              <a:rPr lang="nl-BE" sz="1600" dirty="0"/>
-              <a:t>I</a:t>
-            </a:r>
-            <a:endParaRPr lang="en-BE" sz="1600" dirty="0"/>
-          </a:p>
-          <a:p>
-            <a:endParaRPr lang="en-BE" sz="1600" dirty="0"/>
-          </a:p>
-        </p:txBody>
-      </p:sp>
-      <p:sp>
-        <p:nvSpPr>
-          <p:cNvPr id="48" name="Tekstvak 47">
-            <a:extLst>
-              <a:ext uri="{FF2B5EF4-FFF2-40B4-BE49-F238E27FC236}">
-                <a16:creationId xmlns:a16="http://schemas.microsoft.com/office/drawing/2014/main" id="{68A91DBF-03D0-FCB9-D0BB-7CC0B9BAF0D4}"/>
-              </a:ext>
-            </a:extLst>
-          </p:cNvPr>
-          <p:cNvSpPr txBox="1"/>
-          <p:nvPr/>
-        </p:nvSpPr>
-        <p:spPr>
-          <a:xfrm>
-            <a:off x="4263016" y="3975456"/>
-            <a:ext cx="1713779" cy="2616101"/>
-          </a:xfrm>
-          <a:prstGeom prst="rect">
-            <a:avLst/>
-          </a:prstGeom>
-          <a:noFill/>
-        </p:spPr>
-        <p:txBody>
-          <a:bodyPr wrap="square" rtlCol="0">
-            <a:spAutoFit/>
-          </a:bodyPr>
-          <a:lstStyle/>
-          <a:p>
-            <a:pPr marL="285750" indent="-285750">
-              <a:buFont typeface="Arial" panose="020B0604020202020204" pitchFamily="34" charset="0"/>
-              <a:buChar char="•"/>
-            </a:pPr>
-            <a:r>
-              <a:rPr lang="nl-BE" sz="1600" dirty="0"/>
-              <a:t>A</a:t>
-            </a:r>
-          </a:p>
-          <a:p>
-            <a:pPr marL="285750" indent="-285750">
-              <a:buFont typeface="Arial" panose="020B0604020202020204" pitchFamily="34" charset="0"/>
-              <a:buChar char="•"/>
-            </a:pPr>
-            <a:r>
-              <a:rPr lang="nl-BE" sz="1600" dirty="0"/>
-              <a:t>B</a:t>
-            </a:r>
-          </a:p>
-          <a:p>
-            <a:pPr marL="285750" indent="-285750">
-              <a:buFont typeface="Arial" panose="020B0604020202020204" pitchFamily="34" charset="0"/>
-              <a:buChar char="•"/>
-            </a:pPr>
-            <a:r>
-              <a:rPr lang="nl-BE" sz="1600" dirty="0"/>
-              <a:t>C</a:t>
-            </a:r>
-          </a:p>
-          <a:p>
-            <a:pPr marL="285750" indent="-285750">
-              <a:buFont typeface="Arial" panose="020B0604020202020204" pitchFamily="34" charset="0"/>
-              <a:buChar char="•"/>
-            </a:pPr>
-            <a:r>
-              <a:rPr lang="nl-BE" sz="1600" dirty="0"/>
-              <a:t>D</a:t>
-            </a:r>
-          </a:p>
-          <a:p>
-            <a:pPr marL="285750" indent="-285750">
-              <a:buFont typeface="Arial" panose="020B0604020202020204" pitchFamily="34" charset="0"/>
-              <a:buChar char="•"/>
-            </a:pPr>
-            <a:r>
-              <a:rPr lang="nl-BE" sz="1600" dirty="0"/>
-              <a:t>E</a:t>
-            </a:r>
-          </a:p>
-          <a:p>
-            <a:pPr marL="285750" indent="-285750">
-              <a:buFont typeface="Arial" panose="020B0604020202020204" pitchFamily="34" charset="0"/>
-              <a:buChar char="•"/>
-            </a:pPr>
-            <a:r>
-              <a:rPr lang="nl-BE" sz="1600" dirty="0"/>
-              <a:t>F</a:t>
-            </a:r>
-          </a:p>
-          <a:p>
-            <a:pPr marL="285750" indent="-285750">
-              <a:buFont typeface="Arial" panose="020B0604020202020204" pitchFamily="34" charset="0"/>
-              <a:buChar char="•"/>
-            </a:pPr>
-            <a:r>
-              <a:rPr lang="nl-BE" sz="1600" dirty="0"/>
-              <a:t>G</a:t>
-            </a:r>
-          </a:p>
-          <a:p>
-            <a:pPr marL="285750" indent="-285750">
-              <a:buFont typeface="Arial" panose="020B0604020202020204" pitchFamily="34" charset="0"/>
-              <a:buChar char="•"/>
-            </a:pPr>
-            <a:r>
-              <a:rPr lang="nl-BE" sz="1600" dirty="0"/>
-              <a:t>H</a:t>
-            </a:r>
-          </a:p>
-          <a:p>
-            <a:pPr marL="285750" indent="-285750">
-              <a:buFont typeface="Arial" panose="020B0604020202020204" pitchFamily="34" charset="0"/>
-              <a:buChar char="•"/>
-            </a:pPr>
-            <a:r>
-              <a:rPr lang="nl-BE" sz="1600" dirty="0"/>
-              <a:t>I</a:t>
-            </a:r>
-            <a:endParaRPr lang="en-BE" sz="1600" dirty="0"/>
-          </a:p>
-          <a:p>
-            <a:endParaRPr lang="en-BE" sz="1600" dirty="0"/>
-          </a:p>
-        </p:txBody>
-      </p:sp>
-      <p:sp>
-        <p:nvSpPr>
-          <p:cNvPr id="49" name="Tekstvak 48">
-            <a:extLst>
-              <a:ext uri="{FF2B5EF4-FFF2-40B4-BE49-F238E27FC236}">
-                <a16:creationId xmlns:a16="http://schemas.microsoft.com/office/drawing/2014/main" id="{82776528-47B0-6BF3-2ADE-0C16584A6F35}"/>
-              </a:ext>
-            </a:extLst>
-          </p:cNvPr>
-          <p:cNvSpPr txBox="1"/>
-          <p:nvPr/>
-        </p:nvSpPr>
-        <p:spPr>
-          <a:xfrm>
-            <a:off x="5994774" y="3963723"/>
-            <a:ext cx="1713779" cy="2616101"/>
-          </a:xfrm>
-          <a:prstGeom prst="rect">
-            <a:avLst/>
-          </a:prstGeom>
-          <a:noFill/>
-        </p:spPr>
-        <p:txBody>
-          <a:bodyPr wrap="square" rtlCol="0">
-            <a:spAutoFit/>
-          </a:bodyPr>
-          <a:lstStyle/>
-          <a:p>
-            <a:pPr marL="285750" indent="-285750">
-              <a:buFont typeface="Arial" panose="020B0604020202020204" pitchFamily="34" charset="0"/>
-              <a:buChar char="•"/>
-            </a:pPr>
-            <a:r>
-              <a:rPr lang="nl-BE" sz="1600" dirty="0"/>
-              <a:t>A</a:t>
-            </a:r>
-          </a:p>
-          <a:p>
-            <a:pPr marL="285750" indent="-285750">
-              <a:buFont typeface="Arial" panose="020B0604020202020204" pitchFamily="34" charset="0"/>
-              <a:buChar char="•"/>
-            </a:pPr>
-            <a:r>
-              <a:rPr lang="nl-BE" sz="1600" dirty="0"/>
-              <a:t>B</a:t>
-            </a:r>
-          </a:p>
-          <a:p>
-            <a:pPr marL="285750" indent="-285750">
-              <a:buFont typeface="Arial" panose="020B0604020202020204" pitchFamily="34" charset="0"/>
-              <a:buChar char="•"/>
-            </a:pPr>
-            <a:r>
-              <a:rPr lang="nl-BE" sz="1600" dirty="0"/>
-              <a:t>C</a:t>
-            </a:r>
-          </a:p>
-          <a:p>
-            <a:pPr marL="285750" indent="-285750">
-              <a:buFont typeface="Arial" panose="020B0604020202020204" pitchFamily="34" charset="0"/>
-              <a:buChar char="•"/>
-            </a:pPr>
-            <a:r>
-              <a:rPr lang="nl-BE" sz="1600" dirty="0"/>
-              <a:t>D</a:t>
-            </a:r>
-          </a:p>
-          <a:p>
-            <a:pPr marL="285750" indent="-285750">
-              <a:buFont typeface="Arial" panose="020B0604020202020204" pitchFamily="34" charset="0"/>
-              <a:buChar char="•"/>
-            </a:pPr>
-            <a:r>
-              <a:rPr lang="nl-BE" sz="1600" dirty="0"/>
-              <a:t>E</a:t>
-            </a:r>
-          </a:p>
-          <a:p>
-            <a:pPr marL="285750" indent="-285750">
-              <a:buFont typeface="Arial" panose="020B0604020202020204" pitchFamily="34" charset="0"/>
-              <a:buChar char="•"/>
-            </a:pPr>
-            <a:r>
-              <a:rPr lang="nl-BE" sz="1600" dirty="0"/>
-              <a:t>F</a:t>
-            </a:r>
-          </a:p>
-          <a:p>
-            <a:pPr marL="285750" indent="-285750">
-              <a:buFont typeface="Arial" panose="020B0604020202020204" pitchFamily="34" charset="0"/>
-              <a:buChar char="•"/>
-            </a:pPr>
-            <a:r>
-              <a:rPr lang="nl-BE" sz="1600" dirty="0"/>
-              <a:t>G</a:t>
-            </a:r>
-          </a:p>
-          <a:p>
-            <a:pPr marL="285750" indent="-285750">
-              <a:buFont typeface="Arial" panose="020B0604020202020204" pitchFamily="34" charset="0"/>
-              <a:buChar char="•"/>
-            </a:pPr>
-            <a:r>
-              <a:rPr lang="nl-BE" sz="1600" dirty="0"/>
-              <a:t>H</a:t>
-            </a:r>
-          </a:p>
-          <a:p>
-            <a:pPr marL="285750" indent="-285750">
-              <a:buFont typeface="Arial" panose="020B0604020202020204" pitchFamily="34" charset="0"/>
-              <a:buChar char="•"/>
-            </a:pPr>
-            <a:r>
-              <a:rPr lang="nl-BE" sz="1600" dirty="0"/>
-              <a:t>I</a:t>
-            </a:r>
-            <a:endParaRPr lang="en-BE" sz="1600" dirty="0"/>
-          </a:p>
-          <a:p>
-            <a:endParaRPr lang="en-BE" sz="1600" dirty="0"/>
-          </a:p>
-        </p:txBody>
-      </p:sp>
-      <p:sp>
-        <p:nvSpPr>
-          <p:cNvPr id="50" name="Tekstvak 49">
-            <a:extLst>
-              <a:ext uri="{FF2B5EF4-FFF2-40B4-BE49-F238E27FC236}">
-                <a16:creationId xmlns:a16="http://schemas.microsoft.com/office/drawing/2014/main" id="{8C29460C-E91A-10F5-7BDC-69C9DA014022}"/>
-              </a:ext>
-            </a:extLst>
-          </p:cNvPr>
-          <p:cNvSpPr txBox="1"/>
-          <p:nvPr/>
-        </p:nvSpPr>
-        <p:spPr>
-          <a:xfrm>
-            <a:off x="7775794" y="3975456"/>
             <a:ext cx="1713779" cy="2308324"/>
           </a:xfrm>
           <a:prstGeom prst="rect">
@@ -5837,9 +4944,18 @@
               <a:buChar char="•"/>
             </a:pPr>
             <a:r>
+              <a:rPr lang="nl-BE" sz="1600" dirty="0" err="1"/>
+              <a:t>Designing</a:t>
+            </a:r>
+            <a:r>
               <a:rPr lang="nl-BE" sz="1600" dirty="0"/>
-              <a:t>Making video</a:t>
-            </a:r>
+              <a:t> 3D </a:t>
+            </a:r>
+            <a:r>
+              <a:rPr lang="nl-BE" sz="1600" dirty="0" err="1"/>
+              <a:t>shape</a:t>
+            </a:r>
+            <a:endParaRPr lang="nl-BE" sz="1600" dirty="0"/>
           </a:p>
           <a:p>
             <a:pPr marL="285750" indent="-285750">
@@ -5848,8 +4964,13 @@
             </a:pPr>
             <a:r>
               <a:rPr lang="nl-BE" sz="1600" dirty="0"/>
-              <a:t>C</a:t>
-            </a:r>
+              <a:t>Printing 3D </a:t>
+            </a:r>
+            <a:r>
+              <a:rPr lang="nl-BE" sz="1600" dirty="0" err="1"/>
+              <a:t>shape</a:t>
+            </a:r>
+            <a:endParaRPr lang="nl-BE" sz="1600" dirty="0"/>
           </a:p>
           <a:p>
             <a:pPr marL="285750" indent="-285750">
@@ -5858,7 +4979,7 @@
             </a:pPr>
             <a:r>
               <a:rPr lang="nl-BE" sz="1600" dirty="0"/>
-              <a:t>D</a:t>
+              <a:t>Speaker</a:t>
             </a:r>
           </a:p>
           <a:p>
@@ -5868,61 +4989,34 @@
             </a:pPr>
             <a:r>
               <a:rPr lang="nl-BE" sz="1600" dirty="0"/>
-              <a:t>E</a:t>
-            </a:r>
-          </a:p>
-          <a:p>
-            <a:pPr marL="285750" indent="-285750">
-              <a:buFont typeface="Arial" panose="020B0604020202020204" pitchFamily="34" charset="0"/>
-              <a:buChar char="•"/>
-            </a:pPr>
+              <a:t>Feedback </a:t>
+            </a:r>
+          </a:p>
+          <a:p>
+            <a:pPr marL="285750" indent="-285750">
+              <a:buFont typeface="Arial" panose="020B0604020202020204" pitchFamily="34" charset="0"/>
+              <a:buChar char="•"/>
+            </a:pPr>
+            <a:r>
+              <a:rPr lang="nl-BE" sz="1600" dirty="0" err="1"/>
+              <a:t>Implementing</a:t>
+            </a:r>
             <a:r>
               <a:rPr lang="nl-BE" sz="1600" dirty="0"/>
-              <a:t>F</a:t>
-            </a:r>
-          </a:p>
-          <a:p>
-            <a:pPr marL="285750" indent="-285750">
-              <a:buFont typeface="Arial" panose="020B0604020202020204" pitchFamily="34" charset="0"/>
-              <a:buChar char="•"/>
-            </a:pPr>
-            <a:r>
-              <a:rPr lang="nl-BE" sz="1600" dirty="0"/>
-              <a:t>G</a:t>
-            </a:r>
-          </a:p>
-          <a:p>
-            <a:pPr marL="285750" indent="-285750">
-              <a:buFont typeface="Arial" panose="020B0604020202020204" pitchFamily="34" charset="0"/>
-              <a:buChar char="•"/>
-            </a:pPr>
-            <a:r>
-              <a:rPr lang="nl-BE" sz="1600" dirty="0"/>
-              <a:t>H</a:t>
-            </a:r>
-          </a:p>
-          <a:p>
-            <a:pPr marL="285750" indent="-285750">
-              <a:buFont typeface="Arial" panose="020B0604020202020204" pitchFamily="34" charset="0"/>
-              <a:buChar char="•"/>
-            </a:pPr>
-            <a:r>
-              <a:rPr lang="nl-BE" sz="1600" dirty="0"/>
-              <a:t>I</a:t>
-            </a:r>
+              <a:t> feedback</a:t>
+            </a:r>
+          </a:p>
+          <a:p>
             <a:endParaRPr lang="en-BE" sz="1600" dirty="0"/>
           </a:p>
-          <a:p>
-            <a:endParaRPr lang="en-BE" sz="1600" dirty="0"/>
-          </a:p>
-        </p:txBody>
-      </p:sp>
-      <p:sp>
-        <p:nvSpPr>
-          <p:cNvPr id="51" name="Tekstvak 50">
-            <a:extLst>
-              <a:ext uri="{FF2B5EF4-FFF2-40B4-BE49-F238E27FC236}">
-                <a16:creationId xmlns:a16="http://schemas.microsoft.com/office/drawing/2014/main" id="{8CC6ED1E-AB7D-7E8B-2A23-E2CC104E6831}"/>
+        </p:txBody>
+      </p:sp>
+      <p:sp>
+        <p:nvSpPr>
+          <p:cNvPr id="45" name="Tekstvak 44">
+            <a:extLst>
+              <a:ext uri="{FF2B5EF4-FFF2-40B4-BE49-F238E27FC236}">
+                <a16:creationId xmlns:a16="http://schemas.microsoft.com/office/drawing/2014/main" id="{76C906B8-C205-4C19-7379-0BA5F411C6CC}"/>
               </a:ext>
             </a:extLst>
           </p:cNvPr>
@@ -5931,8 +5025,8 @@
         </p:nvSpPr>
         <p:spPr>
           <a:xfrm>
-            <a:off x="9440314" y="3975455"/>
-            <a:ext cx="1848258" cy="338554"/>
+            <a:off x="9440314" y="727723"/>
+            <a:ext cx="1713779" cy="2308324"/>
           </a:xfrm>
           <a:prstGeom prst="rect">
             <a:avLst/>
@@ -5950,8 +5044,749 @@
               <a:buChar char="•"/>
             </a:pPr>
             <a:r>
+              <a:rPr lang="nl-BE" sz="1600" dirty="0"/>
+              <a:t>Preparing </a:t>
+            </a:r>
+            <a:r>
               <a:rPr lang="nl-BE" sz="1600" dirty="0" err="1"/>
-              <a:t>Endpresentation</a:t>
+              <a:t>presentation</a:t>
+            </a:r>
+            <a:r>
+              <a:rPr lang="nl-BE" sz="1600" dirty="0"/>
+              <a:t> (W7)</a:t>
+            </a:r>
+          </a:p>
+          <a:p>
+            <a:pPr marL="285750" indent="-285750">
+              <a:buFont typeface="Arial" panose="020B0604020202020204" pitchFamily="34" charset="0"/>
+              <a:buChar char="•"/>
+            </a:pPr>
+            <a:r>
+              <a:rPr lang="nl-BE" sz="1600" dirty="0"/>
+              <a:t>GRBL </a:t>
+            </a:r>
+            <a:r>
+              <a:rPr lang="nl-BE" sz="1600" dirty="0" err="1"/>
+              <a:t>library</a:t>
+            </a:r>
+            <a:r>
+              <a:rPr lang="nl-BE" sz="1600" dirty="0"/>
+              <a:t> motor</a:t>
+            </a:r>
+          </a:p>
+          <a:p>
+            <a:pPr marL="285750" indent="-285750">
+              <a:buFont typeface="Arial" panose="020B0604020202020204" pitchFamily="34" charset="0"/>
+              <a:buChar char="•"/>
+            </a:pPr>
+            <a:r>
+              <a:rPr lang="nl-BE" sz="1600" dirty="0"/>
+              <a:t>Speaker</a:t>
+            </a:r>
+          </a:p>
+          <a:p>
+            <a:pPr marL="285750" indent="-285750">
+              <a:buFont typeface="Arial" panose="020B0604020202020204" pitchFamily="34" charset="0"/>
+              <a:buChar char="•"/>
+            </a:pPr>
+            <a:r>
+              <a:rPr lang="nl-BE" sz="1600" dirty="0" err="1"/>
+              <a:t>Devbit</a:t>
+            </a:r>
+            <a:endParaRPr lang="nl-BE" sz="1600" dirty="0"/>
+          </a:p>
+          <a:p>
+            <a:pPr marL="285750" indent="-285750">
+              <a:buFont typeface="Arial" panose="020B0604020202020204" pitchFamily="34" charset="0"/>
+              <a:buChar char="•"/>
+            </a:pPr>
+            <a:endParaRPr lang="nl-BE" sz="1600" dirty="0"/>
+          </a:p>
+          <a:p>
+            <a:endParaRPr lang="en-BE" sz="1600" dirty="0"/>
+          </a:p>
+        </p:txBody>
+      </p:sp>
+      <p:sp>
+        <p:nvSpPr>
+          <p:cNvPr id="46" name="Tekstvak 45">
+            <a:extLst>
+              <a:ext uri="{FF2B5EF4-FFF2-40B4-BE49-F238E27FC236}">
+                <a16:creationId xmlns:a16="http://schemas.microsoft.com/office/drawing/2014/main" id="{49E70D03-4593-9E87-6A56-668509347888}"/>
+              </a:ext>
+            </a:extLst>
+          </p:cNvPr>
+          <p:cNvSpPr txBox="1"/>
+          <p:nvPr/>
+        </p:nvSpPr>
+        <p:spPr>
+          <a:xfrm>
+            <a:off x="835454" y="3963723"/>
+            <a:ext cx="1713779" cy="3293209"/>
+          </a:xfrm>
+          <a:prstGeom prst="rect">
+            <a:avLst/>
+          </a:prstGeom>
+          <a:noFill/>
+        </p:spPr>
+        <p:txBody>
+          <a:bodyPr wrap="square" rtlCol="0">
+            <a:spAutoFit/>
+          </a:bodyPr>
+          <a:lstStyle/>
+          <a:p>
+            <a:pPr marL="285750" indent="-285750">
+              <a:buFont typeface="Arial" panose="020B0604020202020204" pitchFamily="34" charset="0"/>
+              <a:buChar char="•"/>
+            </a:pPr>
+            <a:r>
+              <a:rPr lang="nl-BE" sz="1600" dirty="0"/>
+              <a:t>Preparing </a:t>
+            </a:r>
+            <a:r>
+              <a:rPr lang="nl-BE" sz="1600" dirty="0" err="1"/>
+              <a:t>presentation</a:t>
+            </a:r>
+            <a:endParaRPr lang="nl-BE" sz="1600" dirty="0"/>
+          </a:p>
+          <a:p>
+            <a:pPr marL="285750" indent="-285750">
+              <a:buFont typeface="Arial" panose="020B0604020202020204" pitchFamily="34" charset="0"/>
+              <a:buChar char="•"/>
+            </a:pPr>
+            <a:r>
+              <a:rPr lang="nl-BE" sz="1600" dirty="0"/>
+              <a:t>Presentation</a:t>
+            </a:r>
+          </a:p>
+          <a:p>
+            <a:pPr marL="285750" indent="-285750">
+              <a:buFont typeface="Arial" panose="020B0604020202020204" pitchFamily="34" charset="0"/>
+              <a:buChar char="•"/>
+            </a:pPr>
+            <a:r>
+              <a:rPr lang="nl-BE" sz="1600" dirty="0"/>
+              <a:t>Printing 2nd 3D </a:t>
+            </a:r>
+            <a:r>
+              <a:rPr lang="nl-BE" sz="1600" dirty="0" err="1"/>
+              <a:t>shape</a:t>
+            </a:r>
+            <a:endParaRPr lang="nl-BE" sz="1600" dirty="0"/>
+          </a:p>
+          <a:p>
+            <a:pPr marL="285750" indent="-285750">
+              <a:buFont typeface="Arial" panose="020B0604020202020204" pitchFamily="34" charset="0"/>
+              <a:buChar char="•"/>
+            </a:pPr>
+            <a:r>
+              <a:rPr lang="nl-BE" sz="1600" dirty="0"/>
+              <a:t>Speaker</a:t>
+            </a:r>
+          </a:p>
+          <a:p>
+            <a:pPr marL="285750" indent="-285750">
+              <a:buFont typeface="Arial" panose="020B0604020202020204" pitchFamily="34" charset="0"/>
+              <a:buChar char="•"/>
+            </a:pPr>
+            <a:r>
+              <a:rPr lang="nl-BE" sz="1600" dirty="0"/>
+              <a:t>Feedback </a:t>
+            </a:r>
+          </a:p>
+          <a:p>
+            <a:pPr marL="285750" indent="-285750">
+              <a:buFont typeface="Arial" panose="020B0604020202020204" pitchFamily="34" charset="0"/>
+              <a:buChar char="•"/>
+            </a:pPr>
+            <a:r>
+              <a:rPr lang="nl-BE" sz="1600" dirty="0" err="1"/>
+              <a:t>Implementing</a:t>
+            </a:r>
+            <a:r>
+              <a:rPr lang="nl-BE" sz="1600" dirty="0"/>
+              <a:t> feedback</a:t>
+            </a:r>
+          </a:p>
+          <a:p>
+            <a:pPr marL="285750" indent="-285750">
+              <a:buFont typeface="Arial" panose="020B0604020202020204" pitchFamily="34" charset="0"/>
+              <a:buChar char="•"/>
+            </a:pPr>
+            <a:endParaRPr lang="nl-BE" sz="1600" dirty="0"/>
+          </a:p>
+          <a:p>
+            <a:pPr marL="285750" indent="-285750">
+              <a:buFont typeface="Arial" panose="020B0604020202020204" pitchFamily="34" charset="0"/>
+              <a:buChar char="•"/>
+            </a:pPr>
+            <a:endParaRPr lang="nl-BE" sz="1600" dirty="0"/>
+          </a:p>
+          <a:p>
+            <a:pPr marL="285750" indent="-285750">
+              <a:buFont typeface="Arial" panose="020B0604020202020204" pitchFamily="34" charset="0"/>
+              <a:buChar char="•"/>
+            </a:pPr>
+            <a:endParaRPr lang="nl-BE" sz="1600" dirty="0"/>
+          </a:p>
+          <a:p>
+            <a:endParaRPr lang="en-BE" sz="1600" dirty="0"/>
+          </a:p>
+        </p:txBody>
+      </p:sp>
+      <p:sp>
+        <p:nvSpPr>
+          <p:cNvPr id="47" name="Tekstvak 46">
+            <a:extLst>
+              <a:ext uri="{FF2B5EF4-FFF2-40B4-BE49-F238E27FC236}">
+                <a16:creationId xmlns:a16="http://schemas.microsoft.com/office/drawing/2014/main" id="{90FBC72B-900D-5AB9-2F3E-1DCB608BFB5F}"/>
+              </a:ext>
+            </a:extLst>
+          </p:cNvPr>
+          <p:cNvSpPr txBox="1"/>
+          <p:nvPr/>
+        </p:nvSpPr>
+        <p:spPr>
+          <a:xfrm>
+            <a:off x="2549237" y="3975456"/>
+            <a:ext cx="1713779" cy="2062103"/>
+          </a:xfrm>
+          <a:prstGeom prst="rect">
+            <a:avLst/>
+          </a:prstGeom>
+          <a:noFill/>
+        </p:spPr>
+        <p:txBody>
+          <a:bodyPr wrap="square" rtlCol="0">
+            <a:spAutoFit/>
+          </a:bodyPr>
+          <a:lstStyle/>
+          <a:p>
+            <a:pPr marL="285750" indent="-285750">
+              <a:buFont typeface="Arial" panose="020B0604020202020204" pitchFamily="34" charset="0"/>
+              <a:buChar char="•"/>
+            </a:pPr>
+            <a:r>
+              <a:rPr lang="nl-BE" sz="1600" dirty="0" err="1"/>
+              <a:t>Testing</a:t>
+            </a:r>
+            <a:r>
+              <a:rPr lang="nl-BE" sz="1600" dirty="0"/>
+              <a:t> </a:t>
+            </a:r>
+            <a:r>
+              <a:rPr lang="nl-BE" sz="1600" dirty="0" err="1"/>
+              <a:t>with</a:t>
+            </a:r>
+            <a:r>
+              <a:rPr lang="nl-BE" sz="1600" dirty="0"/>
+              <a:t> G-code </a:t>
+            </a:r>
+          </a:p>
+          <a:p>
+            <a:pPr marL="285750" indent="-285750">
+              <a:buFont typeface="Arial" panose="020B0604020202020204" pitchFamily="34" charset="0"/>
+              <a:buChar char="•"/>
+            </a:pPr>
+            <a:r>
+              <a:rPr lang="nl-BE" sz="1600" dirty="0"/>
+              <a:t>Berekeningen veer</a:t>
+            </a:r>
+          </a:p>
+          <a:p>
+            <a:pPr marL="285750" indent="-285750">
+              <a:buFont typeface="Arial" panose="020B0604020202020204" pitchFamily="34" charset="0"/>
+              <a:buChar char="•"/>
+            </a:pPr>
+            <a:r>
+              <a:rPr lang="nl-BE" sz="1600" dirty="0"/>
+              <a:t>Speaker</a:t>
+            </a:r>
+          </a:p>
+          <a:p>
+            <a:pPr marL="285750" indent="-285750">
+              <a:buFont typeface="Arial" panose="020B0604020202020204" pitchFamily="34" charset="0"/>
+              <a:buChar char="•"/>
+            </a:pPr>
+            <a:endParaRPr lang="nl-BE" sz="1600" dirty="0"/>
+          </a:p>
+          <a:p>
+            <a:pPr marL="285750" indent="-285750">
+              <a:buFont typeface="Arial" panose="020B0604020202020204" pitchFamily="34" charset="0"/>
+              <a:buChar char="•"/>
+            </a:pPr>
+            <a:endParaRPr lang="nl-BE" sz="1600" dirty="0"/>
+          </a:p>
+          <a:p>
+            <a:endParaRPr lang="en-BE" sz="1600" dirty="0"/>
+          </a:p>
+        </p:txBody>
+      </p:sp>
+      <p:sp>
+        <p:nvSpPr>
+          <p:cNvPr id="48" name="Tekstvak 47">
+            <a:extLst>
+              <a:ext uri="{FF2B5EF4-FFF2-40B4-BE49-F238E27FC236}">
+                <a16:creationId xmlns:a16="http://schemas.microsoft.com/office/drawing/2014/main" id="{68A91DBF-03D0-FCB9-D0BB-7CC0B9BAF0D4}"/>
+              </a:ext>
+            </a:extLst>
+          </p:cNvPr>
+          <p:cNvSpPr txBox="1"/>
+          <p:nvPr/>
+        </p:nvSpPr>
+        <p:spPr>
+          <a:xfrm>
+            <a:off x="4263016" y="3975456"/>
+            <a:ext cx="1713779" cy="3293209"/>
+          </a:xfrm>
+          <a:prstGeom prst="rect">
+            <a:avLst/>
+          </a:prstGeom>
+          <a:noFill/>
+        </p:spPr>
+        <p:txBody>
+          <a:bodyPr wrap="square" rtlCol="0">
+            <a:spAutoFit/>
+          </a:bodyPr>
+          <a:lstStyle/>
+          <a:p>
+            <a:pPr marL="285750" indent="-285750">
+              <a:buFont typeface="Arial" panose="020B0604020202020204" pitchFamily="34" charset="0"/>
+              <a:buChar char="•"/>
+            </a:pPr>
+            <a:r>
+              <a:rPr lang="nl-BE" sz="1600" dirty="0" err="1"/>
+              <a:t>Testing</a:t>
+            </a:r>
+            <a:r>
+              <a:rPr lang="nl-BE" sz="1600" dirty="0"/>
+              <a:t> </a:t>
+            </a:r>
+            <a:r>
+              <a:rPr lang="nl-BE" sz="1600" dirty="0" err="1"/>
+              <a:t>with</a:t>
+            </a:r>
+            <a:r>
+              <a:rPr lang="nl-BE" sz="1600" dirty="0"/>
+              <a:t> G-code </a:t>
+            </a:r>
+          </a:p>
+          <a:p>
+            <a:pPr marL="285750" indent="-285750">
+              <a:buFont typeface="Arial" panose="020B0604020202020204" pitchFamily="34" charset="0"/>
+              <a:buChar char="•"/>
+            </a:pPr>
+            <a:r>
+              <a:rPr lang="nl-BE" sz="1600" dirty="0"/>
+              <a:t>Spring </a:t>
+            </a:r>
+            <a:r>
+              <a:rPr lang="nl-BE" sz="1600" dirty="0" err="1"/>
+              <a:t>measuring</a:t>
+            </a:r>
+            <a:endParaRPr lang="nl-BE" sz="1600" dirty="0"/>
+          </a:p>
+          <a:p>
+            <a:pPr marL="285750" indent="-285750">
+              <a:buFont typeface="Arial" panose="020B0604020202020204" pitchFamily="34" charset="0"/>
+              <a:buChar char="•"/>
+            </a:pPr>
+            <a:r>
+              <a:rPr lang="nl-BE" sz="1600" dirty="0"/>
+              <a:t>Feedback escape room</a:t>
+            </a:r>
+          </a:p>
+          <a:p>
+            <a:pPr marL="285750" indent="-285750">
+              <a:buFont typeface="Arial" panose="020B0604020202020204" pitchFamily="34" charset="0"/>
+              <a:buChar char="•"/>
+            </a:pPr>
+            <a:r>
+              <a:rPr lang="nl-BE" sz="1600" dirty="0"/>
+              <a:t>Speaker</a:t>
+            </a:r>
+          </a:p>
+          <a:p>
+            <a:pPr marL="285750" indent="-285750">
+              <a:buFont typeface="Arial" panose="020B0604020202020204" pitchFamily="34" charset="0"/>
+              <a:buChar char="•"/>
+            </a:pPr>
+            <a:r>
+              <a:rPr lang="nl-BE" sz="1600" dirty="0"/>
+              <a:t>Feedback </a:t>
+            </a:r>
+          </a:p>
+          <a:p>
+            <a:pPr marL="285750" indent="-285750">
+              <a:buFont typeface="Arial" panose="020B0604020202020204" pitchFamily="34" charset="0"/>
+              <a:buChar char="•"/>
+            </a:pPr>
+            <a:r>
+              <a:rPr lang="nl-BE" sz="1600" dirty="0" err="1"/>
+              <a:t>Implementing</a:t>
+            </a:r>
+            <a:r>
+              <a:rPr lang="nl-BE" sz="1600" dirty="0"/>
+              <a:t> feedback</a:t>
+            </a:r>
+          </a:p>
+          <a:p>
+            <a:pPr marL="285750" indent="-285750">
+              <a:buFont typeface="Arial" panose="020B0604020202020204" pitchFamily="34" charset="0"/>
+              <a:buChar char="•"/>
+            </a:pPr>
+            <a:endParaRPr lang="nl-BE" sz="1600" dirty="0"/>
+          </a:p>
+          <a:p>
+            <a:pPr marL="285750" indent="-285750">
+              <a:buFont typeface="Arial" panose="020B0604020202020204" pitchFamily="34" charset="0"/>
+              <a:buChar char="•"/>
+            </a:pPr>
+            <a:endParaRPr lang="nl-BE" sz="1600" dirty="0"/>
+          </a:p>
+          <a:p>
+            <a:endParaRPr lang="en-BE" sz="1600" dirty="0"/>
+          </a:p>
+        </p:txBody>
+      </p:sp>
+      <p:sp>
+        <p:nvSpPr>
+          <p:cNvPr id="49" name="Tekstvak 48">
+            <a:extLst>
+              <a:ext uri="{FF2B5EF4-FFF2-40B4-BE49-F238E27FC236}">
+                <a16:creationId xmlns:a16="http://schemas.microsoft.com/office/drawing/2014/main" id="{82776528-47B0-6BF3-2ADE-0C16584A6F35}"/>
+              </a:ext>
+            </a:extLst>
+          </p:cNvPr>
+          <p:cNvSpPr txBox="1"/>
+          <p:nvPr/>
+        </p:nvSpPr>
+        <p:spPr>
+          <a:xfrm>
+            <a:off x="5994774" y="3963723"/>
+            <a:ext cx="1713779" cy="2800767"/>
+          </a:xfrm>
+          <a:prstGeom prst="rect">
+            <a:avLst/>
+          </a:prstGeom>
+          <a:noFill/>
+        </p:spPr>
+        <p:txBody>
+          <a:bodyPr wrap="square" rtlCol="0">
+            <a:spAutoFit/>
+          </a:bodyPr>
+          <a:lstStyle/>
+          <a:p>
+            <a:pPr marL="285750" indent="-285750">
+              <a:buFont typeface="Arial" panose="020B0604020202020204" pitchFamily="34" charset="0"/>
+              <a:buChar char="•"/>
+            </a:pPr>
+            <a:r>
+              <a:rPr lang="nl-BE" sz="1600" dirty="0" err="1"/>
+              <a:t>Testing</a:t>
+            </a:r>
+            <a:r>
+              <a:rPr lang="nl-BE" sz="1600" dirty="0"/>
+              <a:t> </a:t>
+            </a:r>
+            <a:r>
+              <a:rPr lang="nl-BE" sz="1600" dirty="0" err="1"/>
+              <a:t>with</a:t>
+            </a:r>
+            <a:r>
+              <a:rPr lang="nl-BE" sz="1600" dirty="0"/>
+              <a:t> G-code </a:t>
+            </a:r>
+          </a:p>
+          <a:p>
+            <a:pPr marL="285750" indent="-285750">
+              <a:buFont typeface="Arial" panose="020B0604020202020204" pitchFamily="34" charset="0"/>
+              <a:buChar char="•"/>
+            </a:pPr>
+            <a:r>
+              <a:rPr lang="nl-BE" sz="1600" dirty="0"/>
+              <a:t>Python </a:t>
+            </a:r>
+            <a:r>
+              <a:rPr lang="nl-BE" sz="1600" dirty="0" err="1"/>
+              <a:t>coding</a:t>
+            </a:r>
+            <a:endParaRPr lang="nl-BE" sz="1600" dirty="0"/>
+          </a:p>
+          <a:p>
+            <a:pPr marL="285750" indent="-285750">
+              <a:buFont typeface="Arial" panose="020B0604020202020204" pitchFamily="34" charset="0"/>
+              <a:buChar char="•"/>
+            </a:pPr>
+            <a:r>
+              <a:rPr lang="nl-BE" sz="1600" dirty="0" err="1"/>
+              <a:t>Testing</a:t>
+            </a:r>
+            <a:r>
+              <a:rPr lang="nl-BE" sz="1600" dirty="0"/>
+              <a:t> code</a:t>
+            </a:r>
+          </a:p>
+          <a:p>
+            <a:pPr marL="285750" indent="-285750">
+              <a:buFont typeface="Arial" panose="020B0604020202020204" pitchFamily="34" charset="0"/>
+              <a:buChar char="•"/>
+            </a:pPr>
+            <a:r>
+              <a:rPr lang="nl-BE" sz="1600" dirty="0"/>
+              <a:t>Updating code</a:t>
+            </a:r>
+          </a:p>
+          <a:p>
+            <a:pPr marL="285750" indent="-285750">
+              <a:buFont typeface="Arial" panose="020B0604020202020204" pitchFamily="34" charset="0"/>
+              <a:buChar char="•"/>
+            </a:pPr>
+            <a:r>
+              <a:rPr lang="nl-BE" sz="1600" dirty="0"/>
+              <a:t>Cardboard taxi model</a:t>
+            </a:r>
+          </a:p>
+          <a:p>
+            <a:pPr marL="285750" indent="-285750">
+              <a:buFont typeface="Arial" panose="020B0604020202020204" pitchFamily="34" charset="0"/>
+              <a:buChar char="•"/>
+            </a:pPr>
+            <a:r>
+              <a:rPr lang="nl-BE" sz="1600" dirty="0" err="1"/>
+              <a:t>ReadME</a:t>
+            </a:r>
+            <a:endParaRPr lang="nl-BE" sz="1600" dirty="0"/>
+          </a:p>
+          <a:p>
+            <a:pPr marL="285750" indent="-285750">
+              <a:buFont typeface="Arial" panose="020B0604020202020204" pitchFamily="34" charset="0"/>
+              <a:buChar char="•"/>
+            </a:pPr>
+            <a:r>
+              <a:rPr lang="nl-BE" sz="1600" dirty="0"/>
+              <a:t>Speaker</a:t>
+            </a:r>
+          </a:p>
+          <a:p>
+            <a:pPr marL="285750" indent="-285750">
+              <a:buFont typeface="Arial" panose="020B0604020202020204" pitchFamily="34" charset="0"/>
+              <a:buChar char="•"/>
+            </a:pPr>
+            <a:endParaRPr lang="nl-BE" sz="1600" dirty="0"/>
+          </a:p>
+          <a:p>
+            <a:endParaRPr lang="en-BE" sz="1600" dirty="0"/>
+          </a:p>
+        </p:txBody>
+      </p:sp>
+      <p:sp>
+        <p:nvSpPr>
+          <p:cNvPr id="50" name="Tekstvak 49">
+            <a:extLst>
+              <a:ext uri="{FF2B5EF4-FFF2-40B4-BE49-F238E27FC236}">
+                <a16:creationId xmlns:a16="http://schemas.microsoft.com/office/drawing/2014/main" id="{8C29460C-E91A-10F5-7BDC-69C9DA014022}"/>
+              </a:ext>
+            </a:extLst>
+          </p:cNvPr>
+          <p:cNvSpPr txBox="1"/>
+          <p:nvPr/>
+        </p:nvSpPr>
+        <p:spPr>
+          <a:xfrm>
+            <a:off x="7775794" y="3975456"/>
+            <a:ext cx="1713779" cy="2800767"/>
+          </a:xfrm>
+          <a:prstGeom prst="rect">
+            <a:avLst/>
+          </a:prstGeom>
+          <a:noFill/>
+        </p:spPr>
+        <p:txBody>
+          <a:bodyPr wrap="square" rtlCol="0">
+            <a:spAutoFit/>
+          </a:bodyPr>
+          <a:lstStyle/>
+          <a:p>
+            <a:pPr marL="285750" indent="-285750">
+              <a:buFont typeface="Arial" panose="020B0604020202020204" pitchFamily="34" charset="0"/>
+              <a:buChar char="•"/>
+            </a:pPr>
+            <a:r>
+              <a:rPr lang="nl-BE" sz="1600" dirty="0"/>
+              <a:t>Making video</a:t>
+            </a:r>
+          </a:p>
+          <a:p>
+            <a:pPr marL="285750" indent="-285750">
+              <a:buFont typeface="Arial" panose="020B0604020202020204" pitchFamily="34" charset="0"/>
+              <a:buChar char="•"/>
+            </a:pPr>
+            <a:r>
+              <a:rPr lang="nl-BE" sz="1600" dirty="0" err="1"/>
+              <a:t>Final</a:t>
+            </a:r>
+            <a:r>
+              <a:rPr lang="nl-BE" sz="1600" dirty="0"/>
+              <a:t> changes</a:t>
+            </a:r>
+          </a:p>
+          <a:p>
+            <a:pPr marL="285750" indent="-285750">
+              <a:buFont typeface="Arial" panose="020B0604020202020204" pitchFamily="34" charset="0"/>
+              <a:buChar char="•"/>
+            </a:pPr>
+            <a:r>
+              <a:rPr lang="nl-BE" sz="1600" dirty="0" err="1"/>
+              <a:t>Testing</a:t>
+            </a:r>
+            <a:endParaRPr lang="nl-BE" sz="1600" dirty="0"/>
+          </a:p>
+          <a:p>
+            <a:pPr marL="285750" indent="-285750">
+              <a:buFont typeface="Arial" panose="020B0604020202020204" pitchFamily="34" charset="0"/>
+              <a:buChar char="•"/>
+            </a:pPr>
+            <a:r>
+              <a:rPr lang="nl-BE" sz="1600" dirty="0" err="1"/>
+              <a:t>Collecting</a:t>
+            </a:r>
+            <a:r>
+              <a:rPr lang="nl-BE" sz="1600" dirty="0"/>
+              <a:t> </a:t>
+            </a:r>
+            <a:r>
+              <a:rPr lang="nl-BE" sz="1600" dirty="0" err="1"/>
+              <a:t>visual</a:t>
+            </a:r>
+            <a:r>
+              <a:rPr lang="nl-BE" sz="1600" dirty="0"/>
+              <a:t> </a:t>
+            </a:r>
+            <a:r>
+              <a:rPr lang="nl-BE" sz="1600" dirty="0" err="1"/>
+              <a:t>material</a:t>
+            </a:r>
+            <a:endParaRPr lang="nl-BE" sz="1600" dirty="0"/>
+          </a:p>
+          <a:p>
+            <a:pPr marL="285750" indent="-285750">
+              <a:buFont typeface="Arial" panose="020B0604020202020204" pitchFamily="34" charset="0"/>
+              <a:buChar char="•"/>
+            </a:pPr>
+            <a:r>
+              <a:rPr lang="nl-BE" sz="1600" dirty="0"/>
+              <a:t>Printing </a:t>
+            </a:r>
+            <a:r>
+              <a:rPr lang="nl-BE" sz="1600" dirty="0" err="1"/>
+              <a:t>longer</a:t>
+            </a:r>
+            <a:r>
+              <a:rPr lang="nl-BE" sz="1600" dirty="0"/>
+              <a:t> 3D </a:t>
+            </a:r>
+            <a:r>
+              <a:rPr lang="nl-BE" sz="1600" dirty="0" err="1"/>
+              <a:t>shape</a:t>
+            </a:r>
+            <a:endParaRPr lang="nl-BE" sz="1600" dirty="0"/>
+          </a:p>
+          <a:p>
+            <a:pPr marL="285750" indent="-285750">
+              <a:buFont typeface="Arial" panose="020B0604020202020204" pitchFamily="34" charset="0"/>
+              <a:buChar char="•"/>
+            </a:pPr>
+            <a:r>
+              <a:rPr lang="nl-BE" sz="1600" dirty="0" err="1"/>
+              <a:t>Working</a:t>
+            </a:r>
+            <a:r>
+              <a:rPr lang="nl-BE" sz="1600" dirty="0"/>
+              <a:t> program</a:t>
+            </a:r>
+          </a:p>
+          <a:p>
+            <a:pPr marL="285750" indent="-285750">
+              <a:buFont typeface="Arial" panose="020B0604020202020204" pitchFamily="34" charset="0"/>
+              <a:buChar char="•"/>
+            </a:pPr>
+            <a:r>
+              <a:rPr lang="nl-BE" sz="1600" dirty="0" err="1"/>
+              <a:t>ReadMe</a:t>
+            </a:r>
+            <a:endParaRPr lang="nl-BE" sz="1600" dirty="0"/>
+          </a:p>
+          <a:p>
+            <a:endParaRPr lang="en-BE" sz="1600" dirty="0"/>
+          </a:p>
+        </p:txBody>
+      </p:sp>
+      <p:sp>
+        <p:nvSpPr>
+          <p:cNvPr id="51" name="Tekstvak 50">
+            <a:extLst>
+              <a:ext uri="{FF2B5EF4-FFF2-40B4-BE49-F238E27FC236}">
+                <a16:creationId xmlns:a16="http://schemas.microsoft.com/office/drawing/2014/main" id="{8CC6ED1E-AB7D-7E8B-2A23-E2CC104E6831}"/>
+              </a:ext>
+            </a:extLst>
+          </p:cNvPr>
+          <p:cNvSpPr txBox="1"/>
+          <p:nvPr/>
+        </p:nvSpPr>
+        <p:spPr>
+          <a:xfrm>
+            <a:off x="9440313" y="3975455"/>
+            <a:ext cx="2265731" cy="830997"/>
+          </a:xfrm>
+          <a:prstGeom prst="rect">
+            <a:avLst/>
+          </a:prstGeom>
+          <a:noFill/>
+        </p:spPr>
+        <p:txBody>
+          <a:bodyPr wrap="square" rtlCol="0">
+            <a:spAutoFit/>
+          </a:bodyPr>
+          <a:lstStyle/>
+          <a:p>
+            <a:pPr marL="285750" indent="-285750">
+              <a:buFont typeface="Arial" panose="020B0604020202020204" pitchFamily="34" charset="0"/>
+              <a:buChar char="•"/>
+            </a:pPr>
+            <a:r>
+              <a:rPr lang="nl-BE" sz="1600" dirty="0" err="1"/>
+              <a:t>ReadME</a:t>
+            </a:r>
+            <a:endParaRPr lang="nl-BE" sz="1600" dirty="0"/>
+          </a:p>
+          <a:p>
+            <a:pPr marL="285750" indent="-285750">
+              <a:buFont typeface="Arial" panose="020B0604020202020204" pitchFamily="34" charset="0"/>
+              <a:buChar char="•"/>
+            </a:pPr>
+            <a:r>
+              <a:rPr lang="nl-BE" sz="1600" dirty="0" err="1"/>
+              <a:t>Powerpoint</a:t>
+            </a:r>
+            <a:endParaRPr lang="nl-BE" sz="1600" dirty="0"/>
+          </a:p>
+          <a:p>
+            <a:pPr marL="285750" indent="-285750">
+              <a:buFont typeface="Arial" panose="020B0604020202020204" pitchFamily="34" charset="0"/>
+              <a:buChar char="•"/>
+            </a:pPr>
+            <a:r>
+              <a:rPr lang="nl-BE" sz="1600" dirty="0" err="1"/>
+              <a:t>Final</a:t>
+            </a:r>
+            <a:r>
+              <a:rPr lang="nl-BE" sz="1600" dirty="0"/>
+              <a:t> </a:t>
+            </a:r>
+            <a:r>
+              <a:rPr lang="nl-BE" sz="1600" dirty="0" err="1"/>
+              <a:t>presentation</a:t>
             </a:r>
             <a:endParaRPr lang="en-BE" sz="1600" dirty="0"/>
           </a:p>
